--- a/ianganaev_diploma.pptx
+++ b/ianganaev_diploma.pptx
@@ -234,7 +234,7 @@
           <a:p>
             <a:fld id="{3FDC14FC-A894-4869-A797-1EC82735D106}" type="datetimeFigureOut">
               <a:rPr lang="en-US" smtClean="0"/>
-              <a:t>2/22/2022</a:t>
+              <a:t>2022</a:t>
             </a:fld>
             <a:endParaRPr lang="en-US"/>
           </a:p>
@@ -399,7 +399,7 @@
           <a:p>
             <a:fld id="{B4F99C05-63F9-4248-8E20-3ACD9DF9DE7F}" type="datetimeFigureOut">
               <a:rPr lang="en-US" smtClean="0"/>
-              <a:t>2/22/2022</a:t>
+              <a:t>2022</a:t>
             </a:fld>
             <a:endParaRPr lang="en-US"/>
           </a:p>
@@ -9796,7 +9796,7 @@
           </a:ln>
           <a:extLst>
             <a:ext uri="{C572A759-6A51-4108-AA02-DFA0A04FC94B}">
-              <ma14:wrappingTextBoxFlag xmlns:ma14="http://schemas.microsoft.com/office/mac/drawingml/2011/main" xmlns="" val="1"/>
+              <ma14:wrappingTextBoxFlag xmlns="" xmlns:ma14="http://schemas.microsoft.com/office/mac/drawingml/2011/main" val="1"/>
             </a:ext>
           </a:extLst>
         </p:spPr>
@@ -22458,13 +22458,13 @@
           <a:lstStyle/>
           <a:p>
             <a:r>
-              <a:rPr lang="en-US" b="1" i="0" dirty="0">
+              <a:rPr lang="en-US" sz="1600" b="1" i="0" dirty="0">
                 <a:effectLst/>
                 <a:latin typeface="sohne"/>
               </a:rPr>
               <a:t>CI/CD using Terraform and Kubernetes on Azure Kubernetes Service (AKS)</a:t>
             </a:r>
-            <a:endParaRPr lang="ru-RU" dirty="0">
+            <a:endParaRPr lang="ru-RU" sz="1600" dirty="0">
               <a:latin typeface="Arial Black" panose="020B0A04020102020204" pitchFamily="34" charset="0"/>
             </a:endParaRPr>
           </a:p>
@@ -23072,12 +23072,26 @@
               <a:buFont typeface="Courier New" panose="02070309020205020404" pitchFamily="49" charset="0"/>
               <a:buChar char="o"/>
             </a:pPr>
+            <a:r>
+              <a:rPr lang="en-US" sz="1200" dirty="0">
+                <a:latin typeface="Arial" panose="020B0604020202020204" pitchFamily="34" charset="0"/>
+                <a:cs typeface="Arial" panose="020B0604020202020204" pitchFamily="34" charset="0"/>
+              </a:rPr>
+              <a:t/>
+            </a:r>
             <a:br>
               <a:rPr lang="en-US" sz="1200" dirty="0">
                 <a:latin typeface="Arial" panose="020B0604020202020204" pitchFamily="34" charset="0"/>
                 <a:cs typeface="Arial" panose="020B0604020202020204" pitchFamily="34" charset="0"/>
               </a:rPr>
             </a:br>
+            <a:r>
+              <a:rPr lang="en-US" sz="1200" dirty="0">
+                <a:latin typeface="Arial" panose="020B0604020202020204" pitchFamily="34" charset="0"/>
+                <a:cs typeface="Arial" panose="020B0604020202020204" pitchFamily="34" charset="0"/>
+              </a:rPr>
+              <a:t/>
+            </a:r>
             <a:br>
               <a:rPr lang="en-US" sz="1200" dirty="0">
                 <a:latin typeface="Arial" panose="020B0604020202020204" pitchFamily="34" charset="0"/>
@@ -24478,6 +24492,27 @@
 
 <file path=customXml/item2.xml><?xml version="1.0" encoding="utf-8"?>
 <?mso-contentType ?>
+<FormTemplates xmlns="http://schemas.microsoft.com/sharepoint/v3/contenttype/forms">
+  <Display>DocumentLibraryForm</Display>
+  <Edit>DocumentLibraryForm</Edit>
+  <New>DocumentLibraryForm</New>
+</FormTemplates>
+</file>
+
+<file path=customXml/item3.xml><?xml version="1.0" encoding="utf-8"?>
+<p:properties xmlns:p="http://schemas.microsoft.com/office/2006/metadata/properties" xmlns:xsi="http://www.w3.org/2001/XMLSchema-instance" xmlns:pc="http://schemas.microsoft.com/office/infopath/2007/PartnerControls">
+  <documentManagement>
+    <_dlc_DocId xmlns="5ede5379-f79c-4964-9301-1140f96aa672">DOCID-1506477047-7228</_dlc_DocId>
+    <_dlc_DocIdUrl xmlns="5ede5379-f79c-4964-9301-1140f96aa672">
+      <Url>https://epam.sharepoint.com/sites/LMSO/_layouts/15/DocIdRedir.aspx?ID=DOCID-1506477047-7228</Url>
+      <Description>DOCID-1506477047-7228</Description>
+    </_dlc_DocIdUrl>
+  </documentManagement>
+</p:properties>
+</file>
+
+<file path=customXml/item4.xml><?xml version="1.0" encoding="utf-8"?>
+<?mso-contentType ?>
 <spe:Receivers xmlns:spe="http://schemas.microsoft.com/sharepoint/events">
   <Receiver>
     <Name>Document ID Generator</Name>
@@ -24526,27 +24561,6 @@
 </spe:Receivers>
 </file>
 
-<file path=customXml/item3.xml><?xml version="1.0" encoding="utf-8"?>
-<p:properties xmlns:p="http://schemas.microsoft.com/office/2006/metadata/properties" xmlns:xsi="http://www.w3.org/2001/XMLSchema-instance" xmlns:pc="http://schemas.microsoft.com/office/infopath/2007/PartnerControls">
-  <documentManagement>
-    <_dlc_DocId xmlns="5ede5379-f79c-4964-9301-1140f96aa672">DOCID-1506477047-7228</_dlc_DocId>
-    <_dlc_DocIdUrl xmlns="5ede5379-f79c-4964-9301-1140f96aa672">
-      <Url>https://epam.sharepoint.com/sites/LMSO/_layouts/15/DocIdRedir.aspx?ID=DOCID-1506477047-7228</Url>
-      <Description>DOCID-1506477047-7228</Description>
-    </_dlc_DocIdUrl>
-  </documentManagement>
-</p:properties>
-</file>
-
-<file path=customXml/item4.xml><?xml version="1.0" encoding="utf-8"?>
-<?mso-contentType ?>
-<FormTemplates xmlns="http://schemas.microsoft.com/sharepoint/v3/contenttype/forms">
-  <Display>DocumentLibraryForm</Display>
-  <Edit>DocumentLibraryForm</Edit>
-  <New>DocumentLibraryForm</New>
-</FormTemplates>
-</file>
-
 <file path=customXml/itemProps1.xml><?xml version="1.0" encoding="utf-8"?>
 <ds:datastoreItem xmlns:ds="http://schemas.openxmlformats.org/officeDocument/2006/customXml" ds:itemID="{5261CC8E-BF3B-4C28-82E8-A81C3651744D}">
   <ds:schemaRefs>
@@ -24567,9 +24581,9 @@
 </file>
 
 <file path=customXml/itemProps2.xml><?xml version="1.0" encoding="utf-8"?>
-<ds:datastoreItem xmlns:ds="http://schemas.openxmlformats.org/officeDocument/2006/customXml" ds:itemID="{B11AD243-B57F-4D21-9682-3A885D100858}">
+<ds:datastoreItem xmlns:ds="http://schemas.openxmlformats.org/officeDocument/2006/customXml" ds:itemID="{CA4523BA-9821-4FA2-8798-E509F40B7CD8}">
   <ds:schemaRefs>
-    <ds:schemaRef ds:uri="http://schemas.microsoft.com/sharepoint/events"/>
+    <ds:schemaRef ds:uri="http://schemas.microsoft.com/sharepoint/v3/contenttype/forms"/>
   </ds:schemaRefs>
 </ds:datastoreItem>
 </file>
@@ -24592,9 +24606,9 @@
 </file>
 
 <file path=customXml/itemProps4.xml><?xml version="1.0" encoding="utf-8"?>
-<ds:datastoreItem xmlns:ds="http://schemas.openxmlformats.org/officeDocument/2006/customXml" ds:itemID="{CA4523BA-9821-4FA2-8798-E509F40B7CD8}">
+<ds:datastoreItem xmlns:ds="http://schemas.openxmlformats.org/officeDocument/2006/customXml" ds:itemID="{B11AD243-B57F-4D21-9682-3A885D100858}">
   <ds:schemaRefs>
-    <ds:schemaRef ds:uri="http://schemas.microsoft.com/sharepoint/v3/contenttype/forms"/>
+    <ds:schemaRef ds:uri="http://schemas.microsoft.com/sharepoint/events"/>
   </ds:schemaRefs>
 </ds:datastoreItem>
 </file>
--- a/ianganaev_diploma.pptx
+++ b/ianganaev_diploma.pptx
@@ -9796,7 +9796,7 @@
           </a:ln>
           <a:extLst>
             <a:ext uri="{C572A759-6A51-4108-AA02-DFA0A04FC94B}">
-              <ma14:wrappingTextBoxFlag xmlns="" xmlns:ma14="http://schemas.microsoft.com/office/mac/drawingml/2011/main" val="1"/>
+              <ma14:wrappingTextBoxFlag xmlns:ma14="http://schemas.microsoft.com/office/mac/drawingml/2011/main" xmlns="" val="1"/>
             </a:ext>
           </a:extLst>
         </p:spPr>
@@ -23017,41 +23017,28 @@
                 <a:latin typeface="Arial" panose="020B0604020202020204" pitchFamily="34" charset="0"/>
                 <a:cs typeface="Arial" panose="020B0604020202020204" pitchFamily="34" charset="0"/>
               </a:rPr>
-              <a:t>- code repository</a:t>
-            </a:r>
-            <a:br>
+              <a:t>- </a:t>
+            </a:r>
+            <a:r>
+              <a:rPr lang="en-US" sz="1200">
+                <a:latin typeface="Arial" panose="020B0604020202020204" pitchFamily="34" charset="0"/>
+                <a:cs typeface="Arial" panose="020B0604020202020204" pitchFamily="34" charset="0"/>
+              </a:rPr>
+              <a:t>code </a:t>
+            </a:r>
+            <a:r>
+              <a:rPr lang="en-US" sz="1200" smtClean="0">
+                <a:latin typeface="Arial" panose="020B0604020202020204" pitchFamily="34" charset="0"/>
+                <a:cs typeface="Arial" panose="020B0604020202020204" pitchFamily="34" charset="0"/>
+              </a:rPr>
+              <a:t>repository</a:t>
+            </a:r>
+            <a:r>
               <a:rPr lang="en-US" sz="1200" dirty="0">
                 <a:latin typeface="Arial" panose="020B0604020202020204" pitchFamily="34" charset="0"/>
                 <a:cs typeface="Arial" panose="020B0604020202020204" pitchFamily="34" charset="0"/>
               </a:rPr>
-            </a:br>
-            <a:endParaRPr lang="en-US" sz="1200" dirty="0">
-              <a:latin typeface="Arial" panose="020B0604020202020204" pitchFamily="34" charset="0"/>
-              <a:cs typeface="Arial" panose="020B0604020202020204" pitchFamily="34" charset="0"/>
-            </a:endParaRPr>
-          </a:p>
-          <a:p>
-            <a:pPr>
-              <a:buClr>
-                <a:srgbClr val="00B0F0"/>
-              </a:buClr>
-              <a:buFont typeface="Courier New" panose="02070309020205020404" pitchFamily="49" charset="0"/>
-              <a:buChar char="o"/>
-            </a:pPr>
-            <a:r>
-              <a:rPr lang="en-US" sz="1200" dirty="0">
-                <a:latin typeface="Arial" panose="020B0604020202020204" pitchFamily="34" charset="0"/>
-                <a:cs typeface="Arial" panose="020B0604020202020204" pitchFamily="34" charset="0"/>
-                <a:hlinkClick r:id="rId3"/>
-              </a:rPr>
-              <a:t>http://epam-diploma.azurewebsites.net</a:t>
-            </a:r>
-            <a:r>
-              <a:rPr lang="en-US" sz="1200" dirty="0">
-                <a:latin typeface="Arial" panose="020B0604020202020204" pitchFamily="34" charset="0"/>
-                <a:cs typeface="Arial" panose="020B0604020202020204" pitchFamily="34" charset="0"/>
-              </a:rPr>
-              <a:t> – environment (Azure)</a:t>
+              <a:t/>
             </a:r>
             <a:br>
               <a:rPr lang="en-US" sz="1200" dirty="0">
@@ -24492,27 +24479,6 @@
 
 <file path=customXml/item2.xml><?xml version="1.0" encoding="utf-8"?>
 <?mso-contentType ?>
-<FormTemplates xmlns="http://schemas.microsoft.com/sharepoint/v3/contenttype/forms">
-  <Display>DocumentLibraryForm</Display>
-  <Edit>DocumentLibraryForm</Edit>
-  <New>DocumentLibraryForm</New>
-</FormTemplates>
-</file>
-
-<file path=customXml/item3.xml><?xml version="1.0" encoding="utf-8"?>
-<p:properties xmlns:p="http://schemas.microsoft.com/office/2006/metadata/properties" xmlns:xsi="http://www.w3.org/2001/XMLSchema-instance" xmlns:pc="http://schemas.microsoft.com/office/infopath/2007/PartnerControls">
-  <documentManagement>
-    <_dlc_DocId xmlns="5ede5379-f79c-4964-9301-1140f96aa672">DOCID-1506477047-7228</_dlc_DocId>
-    <_dlc_DocIdUrl xmlns="5ede5379-f79c-4964-9301-1140f96aa672">
-      <Url>https://epam.sharepoint.com/sites/LMSO/_layouts/15/DocIdRedir.aspx?ID=DOCID-1506477047-7228</Url>
-      <Description>DOCID-1506477047-7228</Description>
-    </_dlc_DocIdUrl>
-  </documentManagement>
-</p:properties>
-</file>
-
-<file path=customXml/item4.xml><?xml version="1.0" encoding="utf-8"?>
-<?mso-contentType ?>
 <spe:Receivers xmlns:spe="http://schemas.microsoft.com/sharepoint/events">
   <Receiver>
     <Name>Document ID Generator</Name>
@@ -24561,6 +24527,27 @@
 </spe:Receivers>
 </file>
 
+<file path=customXml/item3.xml><?xml version="1.0" encoding="utf-8"?>
+<p:properties xmlns:p="http://schemas.microsoft.com/office/2006/metadata/properties" xmlns:xsi="http://www.w3.org/2001/XMLSchema-instance" xmlns:pc="http://schemas.microsoft.com/office/infopath/2007/PartnerControls">
+  <documentManagement>
+    <_dlc_DocId xmlns="5ede5379-f79c-4964-9301-1140f96aa672">DOCID-1506477047-7228</_dlc_DocId>
+    <_dlc_DocIdUrl xmlns="5ede5379-f79c-4964-9301-1140f96aa672">
+      <Url>https://epam.sharepoint.com/sites/LMSO/_layouts/15/DocIdRedir.aspx?ID=DOCID-1506477047-7228</Url>
+      <Description>DOCID-1506477047-7228</Description>
+    </_dlc_DocIdUrl>
+  </documentManagement>
+</p:properties>
+</file>
+
+<file path=customXml/item4.xml><?xml version="1.0" encoding="utf-8"?>
+<?mso-contentType ?>
+<FormTemplates xmlns="http://schemas.microsoft.com/sharepoint/v3/contenttype/forms">
+  <Display>DocumentLibraryForm</Display>
+  <Edit>DocumentLibraryForm</Edit>
+  <New>DocumentLibraryForm</New>
+</FormTemplates>
+</file>
+
 <file path=customXml/itemProps1.xml><?xml version="1.0" encoding="utf-8"?>
 <ds:datastoreItem xmlns:ds="http://schemas.openxmlformats.org/officeDocument/2006/customXml" ds:itemID="{5261CC8E-BF3B-4C28-82E8-A81C3651744D}">
   <ds:schemaRefs>
@@ -24581,9 +24568,9 @@
 </file>
 
 <file path=customXml/itemProps2.xml><?xml version="1.0" encoding="utf-8"?>
-<ds:datastoreItem xmlns:ds="http://schemas.openxmlformats.org/officeDocument/2006/customXml" ds:itemID="{CA4523BA-9821-4FA2-8798-E509F40B7CD8}">
+<ds:datastoreItem xmlns:ds="http://schemas.openxmlformats.org/officeDocument/2006/customXml" ds:itemID="{B11AD243-B57F-4D21-9682-3A885D100858}">
   <ds:schemaRefs>
-    <ds:schemaRef ds:uri="http://schemas.microsoft.com/sharepoint/v3/contenttype/forms"/>
+    <ds:schemaRef ds:uri="http://schemas.microsoft.com/sharepoint/events"/>
   </ds:schemaRefs>
 </ds:datastoreItem>
 </file>
@@ -24606,9 +24593,9 @@
 </file>
 
 <file path=customXml/itemProps4.xml><?xml version="1.0" encoding="utf-8"?>
-<ds:datastoreItem xmlns:ds="http://schemas.openxmlformats.org/officeDocument/2006/customXml" ds:itemID="{B11AD243-B57F-4D21-9682-3A885D100858}">
+<ds:datastoreItem xmlns:ds="http://schemas.openxmlformats.org/officeDocument/2006/customXml" ds:itemID="{CA4523BA-9821-4FA2-8798-E509F40B7CD8}">
   <ds:schemaRefs>
-    <ds:schemaRef ds:uri="http://schemas.microsoft.com/sharepoint/events"/>
+    <ds:schemaRef ds:uri="http://schemas.microsoft.com/sharepoint/v3/contenttype/forms"/>
   </ds:schemaRefs>
 </ds:datastoreItem>
 </file>
--- a/ianganaev_diploma.pptx
+++ b/ianganaev_diploma.pptx
@@ -7,10 +7,10 @@
     <p:sldMasterId id="2147483663" r:id="rId7"/>
   </p:sldMasterIdLst>
   <p:notesMasterIdLst>
-    <p:notesMasterId r:id="rId15"/>
+    <p:notesMasterId r:id="rId14"/>
   </p:notesMasterIdLst>
   <p:handoutMasterIdLst>
-    <p:handoutMasterId r:id="rId16"/>
+    <p:handoutMasterId r:id="rId15"/>
   </p:handoutMasterIdLst>
   <p:sldIdLst>
     <p:sldId id="256" r:id="rId8"/>
@@ -19,7 +19,6 @@
     <p:sldId id="258" r:id="rId11"/>
     <p:sldId id="259" r:id="rId12"/>
     <p:sldId id="267" r:id="rId13"/>
-    <p:sldId id="268" r:id="rId14"/>
   </p:sldIdLst>
   <p:sldSz cx="9144000" cy="5143500" type="screen16x9"/>
   <p:notesSz cx="6858000" cy="9144000"/>
@@ -9796,7 +9795,7 @@
           </a:ln>
           <a:extLst>
             <a:ext uri="{C572A759-6A51-4108-AA02-DFA0A04FC94B}">
-              <ma14:wrappingTextBoxFlag xmlns:ma14="http://schemas.microsoft.com/office/mac/drawingml/2011/main" xmlns="" val="1"/>
+              <ma14:wrappingTextBoxFlag xmlns="" xmlns:ma14="http://schemas.microsoft.com/office/mac/drawingml/2011/main" val="1"/>
             </a:ext>
           </a:extLst>
         </p:spPr>
@@ -22912,229 +22911,6 @@
     <p:extLst>
       <p:ext uri="{BB962C8B-B14F-4D97-AF65-F5344CB8AC3E}">
         <p14:creationId xmlns:p14="http://schemas.microsoft.com/office/powerpoint/2010/main" val="281099566"/>
-      </p:ext>
-    </p:extLst>
-  </p:cSld>
-  <p:clrMapOvr>
-    <a:masterClrMapping/>
-  </p:clrMapOvr>
-</p:sld>
-</file>
-
-<file path=ppt/slides/slide7.xml><?xml version="1.0" encoding="utf-8"?>
-<p:sld xmlns:a="http://schemas.openxmlformats.org/drawingml/2006/main" xmlns:r="http://schemas.openxmlformats.org/officeDocument/2006/relationships" xmlns:p="http://schemas.openxmlformats.org/presentationml/2006/main">
-  <p:cSld>
-    <p:spTree>
-      <p:nvGrpSpPr>
-        <p:cNvPr id="1" name=""/>
-        <p:cNvGrpSpPr/>
-        <p:nvPr/>
-      </p:nvGrpSpPr>
-      <p:grpSpPr>
-        <a:xfrm>
-          <a:off x="0" y="0"/>
-          <a:ext cx="0" cy="0"/>
-          <a:chOff x="0" y="0"/>
-          <a:chExt cx="0" cy="0"/>
-        </a:xfrm>
-      </p:grpSpPr>
-      <p:sp>
-        <p:nvSpPr>
-          <p:cNvPr id="2" name="Заголовок 1">
-            <a:extLst>
-              <a:ext uri="{FF2B5EF4-FFF2-40B4-BE49-F238E27FC236}">
-                <a16:creationId xmlns:a16="http://schemas.microsoft.com/office/drawing/2014/main" id="{FA87A3D2-472B-469E-8764-6D367FCFAE1C}"/>
-              </a:ext>
-            </a:extLst>
-          </p:cNvPr>
-          <p:cNvSpPr>
-            <a:spLocks noGrp="1"/>
-          </p:cNvSpPr>
-          <p:nvPr>
-            <p:ph type="title"/>
-          </p:nvPr>
-        </p:nvSpPr>
-        <p:spPr/>
-        <p:txBody>
-          <a:bodyPr/>
-          <a:lstStyle/>
-          <a:p>
-            <a:r>
-              <a:rPr lang="en-US" sz="2400" dirty="0">
-                <a:latin typeface="Arial Black" panose="020B0A04020102020204" pitchFamily="34" charset="0"/>
-              </a:rPr>
-              <a:t>LINKS</a:t>
-            </a:r>
-            <a:endParaRPr lang="ru-RU" sz="2400" dirty="0">
-              <a:latin typeface="Arial Black" panose="020B0A04020102020204" pitchFamily="34" charset="0"/>
-            </a:endParaRPr>
-          </a:p>
-        </p:txBody>
-      </p:sp>
-      <p:sp>
-        <p:nvSpPr>
-          <p:cNvPr id="3" name="Объект 2">
-            <a:extLst>
-              <a:ext uri="{FF2B5EF4-FFF2-40B4-BE49-F238E27FC236}">
-                <a16:creationId xmlns:a16="http://schemas.microsoft.com/office/drawing/2014/main" id="{682FF77A-0E57-48D0-8784-FBBFC4DB161B}"/>
-              </a:ext>
-            </a:extLst>
-          </p:cNvPr>
-          <p:cNvSpPr>
-            <a:spLocks noGrp="1"/>
-          </p:cNvSpPr>
-          <p:nvPr>
-            <p:ph sz="quarter" idx="10"/>
-          </p:nvPr>
-        </p:nvSpPr>
-        <p:spPr>
-          <a:xfrm>
-            <a:off x="504826" y="1069975"/>
-            <a:ext cx="8172449" cy="3397250"/>
-          </a:xfrm>
-        </p:spPr>
-        <p:txBody>
-          <a:bodyPr/>
-          <a:lstStyle/>
-          <a:p>
-            <a:pPr>
-              <a:buClr>
-                <a:srgbClr val="00B0F0"/>
-              </a:buClr>
-              <a:buFont typeface="Courier New" panose="02070309020205020404" pitchFamily="49" charset="0"/>
-              <a:buChar char="o"/>
-            </a:pPr>
-            <a:r>
-              <a:rPr lang="en-US" sz="1200" dirty="0">
-                <a:latin typeface="Arial" panose="020B0604020202020204" pitchFamily="34" charset="0"/>
-                <a:cs typeface="Arial" panose="020B0604020202020204" pitchFamily="34" charset="0"/>
-                <a:hlinkClick r:id="rId2"/>
-              </a:rPr>
-              <a:t>https://github.com/yanganaev/epam-diploma</a:t>
-            </a:r>
-            <a:r>
-              <a:rPr lang="en-US" sz="1200" dirty="0">
-                <a:latin typeface="Arial" panose="020B0604020202020204" pitchFamily="34" charset="0"/>
-                <a:cs typeface="Arial" panose="020B0604020202020204" pitchFamily="34" charset="0"/>
-              </a:rPr>
-              <a:t>- </a:t>
-            </a:r>
-            <a:r>
-              <a:rPr lang="en-US" sz="1200">
-                <a:latin typeface="Arial" panose="020B0604020202020204" pitchFamily="34" charset="0"/>
-                <a:cs typeface="Arial" panose="020B0604020202020204" pitchFamily="34" charset="0"/>
-              </a:rPr>
-              <a:t>code </a:t>
-            </a:r>
-            <a:r>
-              <a:rPr lang="en-US" sz="1200" smtClean="0">
-                <a:latin typeface="Arial" panose="020B0604020202020204" pitchFamily="34" charset="0"/>
-                <a:cs typeface="Arial" panose="020B0604020202020204" pitchFamily="34" charset="0"/>
-              </a:rPr>
-              <a:t>repository</a:t>
-            </a:r>
-            <a:r>
-              <a:rPr lang="en-US" sz="1200" dirty="0">
-                <a:latin typeface="Arial" panose="020B0604020202020204" pitchFamily="34" charset="0"/>
-                <a:cs typeface="Arial" panose="020B0604020202020204" pitchFamily="34" charset="0"/>
-              </a:rPr>
-              <a:t/>
-            </a:r>
-            <a:br>
-              <a:rPr lang="en-US" sz="1200" dirty="0">
-                <a:latin typeface="Arial" panose="020B0604020202020204" pitchFamily="34" charset="0"/>
-                <a:cs typeface="Arial" panose="020B0604020202020204" pitchFamily="34" charset="0"/>
-              </a:rPr>
-            </a:br>
-            <a:endParaRPr lang="en-US" sz="1200" dirty="0">
-              <a:latin typeface="Arial" panose="020B0604020202020204" pitchFamily="34" charset="0"/>
-              <a:cs typeface="Arial" panose="020B0604020202020204" pitchFamily="34" charset="0"/>
-            </a:endParaRPr>
-          </a:p>
-          <a:p>
-            <a:pPr>
-              <a:buClr>
-                <a:srgbClr val="00B0F0"/>
-              </a:buClr>
-              <a:buFont typeface="Courier New" panose="02070309020205020404" pitchFamily="49" charset="0"/>
-              <a:buChar char="o"/>
-            </a:pPr>
-            <a:r>
-              <a:rPr lang="en-US" sz="1200" dirty="0">
-                <a:latin typeface="Arial" panose="020B0604020202020204" pitchFamily="34" charset="0"/>
-                <a:cs typeface="Arial" panose="020B0604020202020204" pitchFamily="34" charset="0"/>
-              </a:rPr>
-              <a:t/>
-            </a:r>
-            <a:br>
-              <a:rPr lang="en-US" sz="1200" dirty="0">
-                <a:latin typeface="Arial" panose="020B0604020202020204" pitchFamily="34" charset="0"/>
-                <a:cs typeface="Arial" panose="020B0604020202020204" pitchFamily="34" charset="0"/>
-              </a:rPr>
-            </a:br>
-            <a:r>
-              <a:rPr lang="en-US" sz="1200" dirty="0">
-                <a:latin typeface="Arial" panose="020B0604020202020204" pitchFamily="34" charset="0"/>
-                <a:cs typeface="Arial" panose="020B0604020202020204" pitchFamily="34" charset="0"/>
-              </a:rPr>
-              <a:t/>
-            </a:r>
-            <a:br>
-              <a:rPr lang="en-US" sz="1200" dirty="0">
-                <a:latin typeface="Arial" panose="020B0604020202020204" pitchFamily="34" charset="0"/>
-                <a:cs typeface="Arial" panose="020B0604020202020204" pitchFamily="34" charset="0"/>
-              </a:rPr>
-            </a:br>
-            <a:endParaRPr lang="en-US" sz="1200" dirty="0">
-              <a:latin typeface="Arial" panose="020B0604020202020204" pitchFamily="34" charset="0"/>
-              <a:cs typeface="Arial" panose="020B0604020202020204" pitchFamily="34" charset="0"/>
-            </a:endParaRPr>
-          </a:p>
-          <a:p>
-            <a:pPr marL="0" indent="0">
-              <a:buClr>
-                <a:srgbClr val="00B0F0"/>
-              </a:buClr>
-              <a:buNone/>
-            </a:pPr>
-            <a:endParaRPr lang="ru-RU" sz="1050" dirty="0"/>
-          </a:p>
-        </p:txBody>
-      </p:sp>
-      <p:sp>
-        <p:nvSpPr>
-          <p:cNvPr id="5" name="Номер слайда 4">
-            <a:extLst>
-              <a:ext uri="{FF2B5EF4-FFF2-40B4-BE49-F238E27FC236}">
-                <a16:creationId xmlns:a16="http://schemas.microsoft.com/office/drawing/2014/main" id="{36390377-B22D-4322-8494-A33AE2C57C0E}"/>
-              </a:ext>
-            </a:extLst>
-          </p:cNvPr>
-          <p:cNvSpPr>
-            <a:spLocks noGrp="1"/>
-          </p:cNvSpPr>
-          <p:nvPr>
-            <p:ph type="sldNum" sz="quarter" idx="4"/>
-          </p:nvPr>
-        </p:nvSpPr>
-        <p:spPr/>
-        <p:txBody>
-          <a:bodyPr/>
-          <a:lstStyle/>
-          <a:p>
-            <a:fld id="{3A707DD9-E92B-45E8-BE0A-E6B2EDF345EB}" type="slidenum">
-              <a:rPr lang="en-US" smtClean="0"/>
-              <a:pPr/>
-              <a:t>7</a:t>
-            </a:fld>
-            <a:endParaRPr lang="en-US" dirty="0"/>
-          </a:p>
-        </p:txBody>
-      </p:sp>
-    </p:spTree>
-    <p:extLst>
-      <p:ext uri="{BB962C8B-B14F-4D97-AF65-F5344CB8AC3E}">
-        <p14:creationId xmlns:p14="http://schemas.microsoft.com/office/powerpoint/2010/main" val="697907956"/>
       </p:ext>
     </p:extLst>
   </p:cSld>
@@ -24479,6 +24255,27 @@
 
 <file path=customXml/item2.xml><?xml version="1.0" encoding="utf-8"?>
 <?mso-contentType ?>
+<FormTemplates xmlns="http://schemas.microsoft.com/sharepoint/v3/contenttype/forms">
+  <Display>DocumentLibraryForm</Display>
+  <Edit>DocumentLibraryForm</Edit>
+  <New>DocumentLibraryForm</New>
+</FormTemplates>
+</file>
+
+<file path=customXml/item3.xml><?xml version="1.0" encoding="utf-8"?>
+<p:properties xmlns:p="http://schemas.microsoft.com/office/2006/metadata/properties" xmlns:xsi="http://www.w3.org/2001/XMLSchema-instance" xmlns:pc="http://schemas.microsoft.com/office/infopath/2007/PartnerControls">
+  <documentManagement>
+    <_dlc_DocId xmlns="5ede5379-f79c-4964-9301-1140f96aa672">DOCID-1506477047-7228</_dlc_DocId>
+    <_dlc_DocIdUrl xmlns="5ede5379-f79c-4964-9301-1140f96aa672">
+      <Url>https://epam.sharepoint.com/sites/LMSO/_layouts/15/DocIdRedir.aspx?ID=DOCID-1506477047-7228</Url>
+      <Description>DOCID-1506477047-7228</Description>
+    </_dlc_DocIdUrl>
+  </documentManagement>
+</p:properties>
+</file>
+
+<file path=customXml/item4.xml><?xml version="1.0" encoding="utf-8"?>
+<?mso-contentType ?>
 <spe:Receivers xmlns:spe="http://schemas.microsoft.com/sharepoint/events">
   <Receiver>
     <Name>Document ID Generator</Name>
@@ -24527,27 +24324,6 @@
 </spe:Receivers>
 </file>
 
-<file path=customXml/item3.xml><?xml version="1.0" encoding="utf-8"?>
-<p:properties xmlns:p="http://schemas.microsoft.com/office/2006/metadata/properties" xmlns:xsi="http://www.w3.org/2001/XMLSchema-instance" xmlns:pc="http://schemas.microsoft.com/office/infopath/2007/PartnerControls">
-  <documentManagement>
-    <_dlc_DocId xmlns="5ede5379-f79c-4964-9301-1140f96aa672">DOCID-1506477047-7228</_dlc_DocId>
-    <_dlc_DocIdUrl xmlns="5ede5379-f79c-4964-9301-1140f96aa672">
-      <Url>https://epam.sharepoint.com/sites/LMSO/_layouts/15/DocIdRedir.aspx?ID=DOCID-1506477047-7228</Url>
-      <Description>DOCID-1506477047-7228</Description>
-    </_dlc_DocIdUrl>
-  </documentManagement>
-</p:properties>
-</file>
-
-<file path=customXml/item4.xml><?xml version="1.0" encoding="utf-8"?>
-<?mso-contentType ?>
-<FormTemplates xmlns="http://schemas.microsoft.com/sharepoint/v3/contenttype/forms">
-  <Display>DocumentLibraryForm</Display>
-  <Edit>DocumentLibraryForm</Edit>
-  <New>DocumentLibraryForm</New>
-</FormTemplates>
-</file>
-
 <file path=customXml/itemProps1.xml><?xml version="1.0" encoding="utf-8"?>
 <ds:datastoreItem xmlns:ds="http://schemas.openxmlformats.org/officeDocument/2006/customXml" ds:itemID="{5261CC8E-BF3B-4C28-82E8-A81C3651744D}">
   <ds:schemaRefs>
@@ -24568,9 +24344,9 @@
 </file>
 
 <file path=customXml/itemProps2.xml><?xml version="1.0" encoding="utf-8"?>
-<ds:datastoreItem xmlns:ds="http://schemas.openxmlformats.org/officeDocument/2006/customXml" ds:itemID="{B11AD243-B57F-4D21-9682-3A885D100858}">
+<ds:datastoreItem xmlns:ds="http://schemas.openxmlformats.org/officeDocument/2006/customXml" ds:itemID="{CA4523BA-9821-4FA2-8798-E509F40B7CD8}">
   <ds:schemaRefs>
-    <ds:schemaRef ds:uri="http://schemas.microsoft.com/sharepoint/events"/>
+    <ds:schemaRef ds:uri="http://schemas.microsoft.com/sharepoint/v3/contenttype/forms"/>
   </ds:schemaRefs>
 </ds:datastoreItem>
 </file>
@@ -24593,9 +24369,9 @@
 </file>
 
 <file path=customXml/itemProps4.xml><?xml version="1.0" encoding="utf-8"?>
-<ds:datastoreItem xmlns:ds="http://schemas.openxmlformats.org/officeDocument/2006/customXml" ds:itemID="{CA4523BA-9821-4FA2-8798-E509F40B7CD8}">
+<ds:datastoreItem xmlns:ds="http://schemas.openxmlformats.org/officeDocument/2006/customXml" ds:itemID="{B11AD243-B57F-4D21-9682-3A885D100858}">
   <ds:schemaRefs>
-    <ds:schemaRef ds:uri="http://schemas.microsoft.com/sharepoint/v3/contenttype/forms"/>
+    <ds:schemaRef ds:uri="http://schemas.microsoft.com/sharepoint/events"/>
   </ds:schemaRefs>
 </ds:datastoreItem>
 </file>